--- a/docs/Architecture (bug 879822).pptx
+++ b/docs/Architecture (bug 879822).pptx
@@ -288,7 +288,7 @@
           <a:p>
             <a:fld id="{57E13E19-9712-4C08-A35C-78B78B9B3BC2}" type="datetimeFigureOut">
               <a:rPr lang="en-CA" smtClean="0"/>
-              <a:t>25/11/2013</a:t>
+              <a:t>2018-01-30</a:t>
             </a:fld>
             <a:endParaRPr lang="en-CA"/>
           </a:p>
@@ -458,7 +458,7 @@
           <a:p>
             <a:fld id="{57E13E19-9712-4C08-A35C-78B78B9B3BC2}" type="datetimeFigureOut">
               <a:rPr lang="en-CA" smtClean="0"/>
-              <a:t>25/11/2013</a:t>
+              <a:t>2018-01-30</a:t>
             </a:fld>
             <a:endParaRPr lang="en-CA"/>
           </a:p>
@@ -638,7 +638,7 @@
           <a:p>
             <a:fld id="{57E13E19-9712-4C08-A35C-78B78B9B3BC2}" type="datetimeFigureOut">
               <a:rPr lang="en-CA" smtClean="0"/>
-              <a:t>25/11/2013</a:t>
+              <a:t>2018-01-30</a:t>
             </a:fld>
             <a:endParaRPr lang="en-CA"/>
           </a:p>
@@ -808,7 +808,7 @@
           <a:p>
             <a:fld id="{57E13E19-9712-4C08-A35C-78B78B9B3BC2}" type="datetimeFigureOut">
               <a:rPr lang="en-CA" smtClean="0"/>
-              <a:t>25/11/2013</a:t>
+              <a:t>2018-01-30</a:t>
             </a:fld>
             <a:endParaRPr lang="en-CA"/>
           </a:p>
@@ -1054,7 +1054,7 @@
           <a:p>
             <a:fld id="{57E13E19-9712-4C08-A35C-78B78B9B3BC2}" type="datetimeFigureOut">
               <a:rPr lang="en-CA" smtClean="0"/>
-              <a:t>25/11/2013</a:t>
+              <a:t>2018-01-30</a:t>
             </a:fld>
             <a:endParaRPr lang="en-CA"/>
           </a:p>
@@ -1342,7 +1342,7 @@
           <a:p>
             <a:fld id="{57E13E19-9712-4C08-A35C-78B78B9B3BC2}" type="datetimeFigureOut">
               <a:rPr lang="en-CA" smtClean="0"/>
-              <a:t>25/11/2013</a:t>
+              <a:t>2018-01-30</a:t>
             </a:fld>
             <a:endParaRPr lang="en-CA"/>
           </a:p>
@@ -1764,7 +1764,7 @@
           <a:p>
             <a:fld id="{57E13E19-9712-4C08-A35C-78B78B9B3BC2}" type="datetimeFigureOut">
               <a:rPr lang="en-CA" smtClean="0"/>
-              <a:t>25/11/2013</a:t>
+              <a:t>2018-01-30</a:t>
             </a:fld>
             <a:endParaRPr lang="en-CA"/>
           </a:p>
@@ -1882,7 +1882,7 @@
           <a:p>
             <a:fld id="{57E13E19-9712-4C08-A35C-78B78B9B3BC2}" type="datetimeFigureOut">
               <a:rPr lang="en-CA" smtClean="0"/>
-              <a:t>25/11/2013</a:t>
+              <a:t>2018-01-30</a:t>
             </a:fld>
             <a:endParaRPr lang="en-CA"/>
           </a:p>
@@ -1977,7 +1977,7 @@
           <a:p>
             <a:fld id="{57E13E19-9712-4C08-A35C-78B78B9B3BC2}" type="datetimeFigureOut">
               <a:rPr lang="en-CA" smtClean="0"/>
-              <a:t>25/11/2013</a:t>
+              <a:t>2018-01-30</a:t>
             </a:fld>
             <a:endParaRPr lang="en-CA"/>
           </a:p>
@@ -2254,7 +2254,7 @@
           <a:p>
             <a:fld id="{57E13E19-9712-4C08-A35C-78B78B9B3BC2}" type="datetimeFigureOut">
               <a:rPr lang="en-CA" smtClean="0"/>
-              <a:t>25/11/2013</a:t>
+              <a:t>2018-01-30</a:t>
             </a:fld>
             <a:endParaRPr lang="en-CA"/>
           </a:p>
@@ -2507,7 +2507,7 @@
           <a:p>
             <a:fld id="{57E13E19-9712-4C08-A35C-78B78B9B3BC2}" type="datetimeFigureOut">
               <a:rPr lang="en-CA" smtClean="0"/>
-              <a:t>25/11/2013</a:t>
+              <a:t>2018-01-30</a:t>
             </a:fld>
             <a:endParaRPr lang="en-CA"/>
           </a:p>
@@ -2720,7 +2720,7 @@
           <a:p>
             <a:fld id="{57E13E19-9712-4C08-A35C-78B78B9B3BC2}" type="datetimeFigureOut">
               <a:rPr lang="en-CA" smtClean="0"/>
-              <a:t>25/11/2013</a:t>
+              <a:t>2018-01-30</a:t>
             </a:fld>
             <a:endParaRPr lang="en-CA"/>
           </a:p>
@@ -3097,7 +3097,7 @@
       </p:grpSpPr>
       <p:sp>
         <p:nvSpPr>
-          <p:cNvPr id="50" name="Rounded Rectangle 49">
+          <p:cNvPr id="60" name="Rounded Rectangle 59">
             <a:hlinkClick r:id="rId2"/>
           </p:cNvPr>
           <p:cNvSpPr/>
@@ -3105,8 +3105,8 @@
         </p:nvSpPr>
         <p:spPr>
           <a:xfrm>
-            <a:off x="5974647" y="878396"/>
-            <a:ext cx="1377143" cy="1460670"/>
+            <a:off x="5994187" y="4095679"/>
+            <a:ext cx="1377141" cy="835592"/>
           </a:xfrm>
           <a:prstGeom prst="roundRect">
             <a:avLst/>
@@ -3143,120 +3143,57 @@
           <a:p>
             <a:pPr algn="ctr"/>
             <a:r>
-              <a:rPr lang="en-CA" sz="1200" b="1" dirty="0" smtClean="0">
+              <a:rPr lang="en-CA" sz="1200" b="1" smtClean="0">
                 <a:solidFill>
                   <a:schemeClr val="tx1"/>
                 </a:solidFill>
               </a:rPr>
-              <a:t>Machine (922877)</a:t>
-            </a:r>
-          </a:p>
-        </p:txBody>
-      </p:sp>
-      <p:sp>
-        <p:nvSpPr>
-          <p:cNvPr id="125" name="Rectangle 124"/>
-          <p:cNvSpPr/>
-          <p:nvPr/>
-        </p:nvSpPr>
-        <p:spPr>
-          <a:xfrm>
-            <a:off x="1737610" y="192940"/>
-            <a:ext cx="7370894" cy="3812124"/>
-          </a:xfrm>
-          <a:prstGeom prst="rect">
-            <a:avLst/>
-          </a:prstGeom>
-          <a:noFill/>
-          <a:ln w="53975">
-            <a:solidFill>
-              <a:srgbClr val="C00000"/>
-            </a:solidFill>
-          </a:ln>
-        </p:spPr>
-        <p:style>
-          <a:lnRef idx="2">
-            <a:schemeClr val="accent1">
-              <a:shade val="50000"/>
-            </a:schemeClr>
-          </a:lnRef>
-          <a:fillRef idx="1">
-            <a:schemeClr val="accent1"/>
-          </a:fillRef>
-          <a:effectRef idx="0">
-            <a:schemeClr val="accent1"/>
-          </a:effectRef>
-          <a:fontRef idx="minor">
-            <a:schemeClr val="lt1"/>
-          </a:fontRef>
-        </p:style>
-        <p:txBody>
-          <a:bodyPr rtlCol="0" anchor="ctr"/>
-          <a:lstStyle/>
-          <a:p>
-            <a:pPr algn="ctr"/>
-            <a:endParaRPr lang="en-CA"/>
-          </a:p>
-        </p:txBody>
-      </p:sp>
-      <p:sp>
-        <p:nvSpPr>
-          <p:cNvPr id="124" name="Rectangle 123"/>
-          <p:cNvSpPr/>
-          <p:nvPr/>
-        </p:nvSpPr>
-        <p:spPr>
-          <a:xfrm>
-            <a:off x="5724128" y="404664"/>
-            <a:ext cx="3240360" cy="2462937"/>
-          </a:xfrm>
-          <a:prstGeom prst="rect">
-            <a:avLst/>
-          </a:prstGeom>
-          <a:noFill/>
-          <a:ln w="53975">
-            <a:solidFill>
-              <a:srgbClr val="7030A0"/>
-            </a:solidFill>
-          </a:ln>
-        </p:spPr>
-        <p:style>
-          <a:lnRef idx="2">
-            <a:schemeClr val="accent1">
-              <a:shade val="50000"/>
-            </a:schemeClr>
-          </a:lnRef>
-          <a:fillRef idx="1">
-            <a:schemeClr val="accent1"/>
-          </a:fillRef>
-          <a:effectRef idx="0">
-            <a:schemeClr val="accent1"/>
-          </a:effectRef>
-          <a:fontRef idx="minor">
-            <a:schemeClr val="lt1"/>
-          </a:fontRef>
-        </p:style>
-        <p:txBody>
-          <a:bodyPr rtlCol="0" anchor="ctr"/>
-          <a:lstStyle/>
-          <a:p>
-            <a:pPr algn="ctr"/>
-            <a:endParaRPr lang="en-CA"/>
-          </a:p>
-        </p:txBody>
-      </p:sp>
-      <p:sp>
-        <p:nvSpPr>
-          <p:cNvPr id="85" name="Rounded Rectangle 84">
-            <a:hlinkClick r:id="rId3"/>
+              <a:t>VM </a:t>
+            </a:r>
+            <a:r>
+              <a:rPr lang="en-CA" sz="1200" b="1">
+                <a:solidFill>
+                  <a:schemeClr val="tx1"/>
+                </a:solidFill>
+              </a:rPr>
+              <a:t>(</a:t>
+            </a:r>
+            <a:r>
+              <a:rPr lang="en-CA" sz="1200" b="1" smtClean="0">
+                <a:solidFill>
+                  <a:schemeClr val="tx1"/>
+                </a:solidFill>
+              </a:rPr>
+              <a:t>1429499</a:t>
+            </a:r>
+            <a:r>
+              <a:rPr lang="en-CA" sz="1200" b="1" smtClean="0">
+                <a:solidFill>
+                  <a:schemeClr val="tx1"/>
+                </a:solidFill>
+              </a:rPr>
+              <a:t>)</a:t>
+            </a:r>
+            <a:endParaRPr lang="en-CA" sz="1200" b="1" dirty="0" smtClean="0">
+              <a:solidFill>
+                <a:schemeClr val="tx1"/>
+              </a:solidFill>
+            </a:endParaRPr>
+          </a:p>
+        </p:txBody>
+      </p:sp>
+      <p:sp>
+        <p:nvSpPr>
+          <p:cNvPr id="50" name="Rounded Rectangle 49">
+            <a:hlinkClick r:id="rId2"/>
           </p:cNvPr>
           <p:cNvSpPr/>
           <p:nvPr/>
         </p:nvSpPr>
         <p:spPr>
           <a:xfrm>
-            <a:off x="3861294" y="2342305"/>
-            <a:ext cx="1377143" cy="1224137"/>
+            <a:off x="5974647" y="878396"/>
+            <a:ext cx="1377143" cy="846495"/>
           </a:xfrm>
           <a:prstGeom prst="roundRect">
             <a:avLst/>
@@ -3298,23 +3235,144 @@
                   <a:schemeClr val="tx1"/>
                 </a:solidFill>
               </a:rPr>
-              <a:t>Private ES Cluster (922477)</a:t>
-            </a:r>
+              <a:t>VM </a:t>
+            </a:r>
+            <a:r>
+              <a:rPr lang="en-CA" sz="1200" b="1" dirty="0">
+                <a:solidFill>
+                  <a:schemeClr val="tx1"/>
+                </a:solidFill>
+              </a:rPr>
+              <a:t>(</a:t>
+            </a:r>
+            <a:r>
+              <a:rPr lang="en-CA" sz="1200" b="1" dirty="0" smtClean="0">
+                <a:solidFill>
+                  <a:schemeClr val="tx1"/>
+                </a:solidFill>
+              </a:rPr>
+              <a:t>1429499</a:t>
+            </a:r>
+            <a:r>
+              <a:rPr lang="en-CA" sz="1200" b="1" dirty="0" smtClean="0">
+                <a:solidFill>
+                  <a:schemeClr val="tx1"/>
+                </a:solidFill>
+              </a:rPr>
+              <a:t>)</a:t>
+            </a:r>
+            <a:endParaRPr lang="en-CA" sz="1200" b="1" dirty="0" smtClean="0">
+              <a:solidFill>
+                <a:schemeClr val="tx1"/>
+              </a:solidFill>
+            </a:endParaRPr>
+          </a:p>
+        </p:txBody>
+      </p:sp>
+      <p:sp>
+        <p:nvSpPr>
+          <p:cNvPr id="125" name="Rectangle 124"/>
+          <p:cNvSpPr/>
+          <p:nvPr/>
+        </p:nvSpPr>
+        <p:spPr>
+          <a:xfrm>
+            <a:off x="1737610" y="192939"/>
+            <a:ext cx="7370894" cy="5750661"/>
+          </a:xfrm>
+          <a:prstGeom prst="rect">
+            <a:avLst/>
+          </a:prstGeom>
+          <a:noFill/>
+          <a:ln w="53975">
+            <a:solidFill>
+              <a:srgbClr val="C00000"/>
+            </a:solidFill>
+          </a:ln>
+        </p:spPr>
+        <p:style>
+          <a:lnRef idx="2">
+            <a:schemeClr val="accent1">
+              <a:shade val="50000"/>
+            </a:schemeClr>
+          </a:lnRef>
+          <a:fillRef idx="1">
+            <a:schemeClr val="accent1"/>
+          </a:fillRef>
+          <a:effectRef idx="0">
+            <a:schemeClr val="accent1"/>
+          </a:effectRef>
+          <a:fontRef idx="minor">
+            <a:schemeClr val="lt1"/>
+          </a:fontRef>
+        </p:style>
+        <p:txBody>
+          <a:bodyPr rtlCol="0" anchor="ctr"/>
+          <a:lstStyle/>
+          <a:p>
+            <a:pPr algn="ctr"/>
+            <a:endParaRPr lang="en-CA"/>
+          </a:p>
+        </p:txBody>
+      </p:sp>
+      <p:sp>
+        <p:nvSpPr>
+          <p:cNvPr id="124" name="Rectangle 123"/>
+          <p:cNvSpPr/>
+          <p:nvPr/>
+        </p:nvSpPr>
+        <p:spPr>
+          <a:xfrm>
+            <a:off x="5724128" y="404664"/>
+            <a:ext cx="3240360" cy="4748361"/>
+          </a:xfrm>
+          <a:prstGeom prst="rect">
+            <a:avLst/>
+          </a:prstGeom>
+          <a:noFill/>
+          <a:ln w="53975">
+            <a:solidFill>
+              <a:srgbClr val="7030A0"/>
+            </a:solidFill>
+          </a:ln>
+        </p:spPr>
+        <p:style>
+          <a:lnRef idx="2">
+            <a:schemeClr val="accent1">
+              <a:shade val="50000"/>
+            </a:schemeClr>
+          </a:lnRef>
+          <a:fillRef idx="1">
+            <a:schemeClr val="accent1"/>
+          </a:fillRef>
+          <a:effectRef idx="0">
+            <a:schemeClr val="accent1"/>
+          </a:effectRef>
+          <a:fontRef idx="minor">
+            <a:schemeClr val="lt1"/>
+          </a:fontRef>
+        </p:style>
+        <p:txBody>
+          <a:bodyPr rtlCol="0" anchor="ctr"/>
+          <a:lstStyle/>
+          <a:p>
+            <a:pPr algn="ctr"/>
+            <a:endParaRPr lang="en-CA"/>
           </a:p>
         </p:txBody>
       </p:sp>
       <p:sp>
         <p:nvSpPr>
           <p:cNvPr id="84" name="Rounded Rectangle 83">
-            <a:hlinkClick r:id="rId4"/>
+            <a:hlinkClick r:id="rId3"/>
           </p:cNvPr>
           <p:cNvSpPr/>
           <p:nvPr/>
         </p:nvSpPr>
         <p:spPr>
           <a:xfrm>
-            <a:off x="3819213" y="694233"/>
-            <a:ext cx="1377143" cy="1193376"/>
+            <a:off x="3802923" y="604250"/>
+            <a:ext cx="1493887" cy="1193376"/>
           </a:xfrm>
           <a:prstGeom prst="roundRect">
             <a:avLst/>
@@ -3356,23 +3414,36 @@
                   <a:schemeClr val="tx1"/>
                 </a:solidFill>
               </a:rPr>
-              <a:t>Public ES Cluster (872363)</a:t>
-            </a:r>
+              <a:t>Public ES Cluster (1344296</a:t>
+            </a:r>
+            <a:r>
+              <a:rPr lang="en-CA" sz="1200" b="1" dirty="0">
+                <a:solidFill>
+                  <a:schemeClr val="tx1"/>
+                </a:solidFill>
+              </a:rPr>
+              <a:t>)</a:t>
+            </a:r>
+            <a:endParaRPr lang="en-CA" sz="1200" b="1" dirty="0" smtClean="0">
+              <a:solidFill>
+                <a:schemeClr val="tx1"/>
+              </a:solidFill>
+            </a:endParaRPr>
           </a:p>
         </p:txBody>
       </p:sp>
       <p:sp>
         <p:nvSpPr>
           <p:cNvPr id="76" name="Rounded Rectangle 75">
-            <a:hlinkClick r:id="rId5"/>
+            <a:hlinkClick r:id="rId4"/>
           </p:cNvPr>
           <p:cNvSpPr/>
           <p:nvPr/>
         </p:nvSpPr>
         <p:spPr>
           <a:xfrm>
-            <a:off x="2051720" y="662070"/>
-            <a:ext cx="1152128" cy="892471"/>
+            <a:off x="2040034" y="771899"/>
+            <a:ext cx="1318714" cy="1112319"/>
           </a:xfrm>
           <a:prstGeom prst="roundRect">
             <a:avLst/>
@@ -3409,13 +3480,18 @@
           <a:p>
             <a:pPr algn="ctr"/>
             <a:r>
-              <a:rPr lang="en-CA" sz="1200" b="1" dirty="0" smtClean="0">
+              <a:rPr lang="en-CA" sz="1200" b="1" dirty="0">
                 <a:solidFill>
                   <a:schemeClr val="tx1"/>
                 </a:solidFill>
               </a:rPr>
-              <a:t>VM(931066)</a:t>
-            </a:r>
+              <a:t>VM(no bug yet)</a:t>
+            </a:r>
+            <a:endParaRPr lang="en-CA" sz="1200" b="1" dirty="0" smtClean="0">
+              <a:solidFill>
+                <a:schemeClr val="tx1"/>
+              </a:solidFill>
+            </a:endParaRPr>
           </a:p>
         </p:txBody>
       </p:sp>
@@ -3427,7 +3503,7 @@
         </p:nvGrpSpPr>
         <p:grpSpPr>
           <a:xfrm>
-            <a:off x="4102931" y="2414314"/>
+            <a:off x="4110141" y="3872212"/>
             <a:ext cx="875038" cy="670402"/>
             <a:chOff x="1259632" y="4710257"/>
             <a:chExt cx="875038" cy="670402"/>
@@ -3442,7 +3518,7 @@
             <p:nvPr/>
           </p:nvPicPr>
           <p:blipFill>
-            <a:blip r:embed="rId6" cstate="print">
+            <a:blip r:embed="rId5" cstate="print">
               <a:extLst>
                 <a:ext uri="{28A0092B-C50C-407E-A947-70E740481C1C}">
                   <a14:useLocalDpi xmlns:a14="http://schemas.microsoft.com/office/drawing/2010/main" val="0"/>
@@ -3472,7 +3548,7 @@
             <p:nvPr/>
           </p:nvPicPr>
           <p:blipFill>
-            <a:blip r:embed="rId6" cstate="print">
+            <a:blip r:embed="rId5" cstate="print">
               <a:extLst>
                 <a:ext uri="{28A0092B-C50C-407E-A947-70E740481C1C}">
                   <a14:useLocalDpi xmlns:a14="http://schemas.microsoft.com/office/drawing/2010/main" val="0"/>
@@ -3502,7 +3578,7 @@
             <p:nvPr/>
           </p:nvPicPr>
           <p:blipFill>
-            <a:blip r:embed="rId6" cstate="print">
+            <a:blip r:embed="rId5" cstate="print">
               <a:extLst>
                 <a:ext uri="{28A0092B-C50C-407E-A947-70E740481C1C}">
                   <a14:useLocalDpi xmlns:a14="http://schemas.microsoft.com/office/drawing/2010/main" val="0"/>
@@ -3532,7 +3608,7 @@
         </p:nvGrpSpPr>
         <p:grpSpPr>
           <a:xfrm>
-            <a:off x="4084099" y="754007"/>
+            <a:off x="4112350" y="682588"/>
             <a:ext cx="875038" cy="670402"/>
             <a:chOff x="1944668" y="1262408"/>
             <a:chExt cx="875038" cy="670402"/>
@@ -3547,7 +3623,7 @@
             <p:nvPr/>
           </p:nvPicPr>
           <p:blipFill>
-            <a:blip r:embed="rId6" cstate="print">
+            <a:blip r:embed="rId5" cstate="print">
               <a:extLst>
                 <a:ext uri="{28A0092B-C50C-407E-A947-70E740481C1C}">
                   <a14:useLocalDpi xmlns:a14="http://schemas.microsoft.com/office/drawing/2010/main" val="0"/>
@@ -3577,7 +3653,7 @@
             <p:nvPr/>
           </p:nvPicPr>
           <p:blipFill>
-            <a:blip r:embed="rId6" cstate="print">
+            <a:blip r:embed="rId5" cstate="print">
               <a:extLst>
                 <a:ext uri="{28A0092B-C50C-407E-A947-70E740481C1C}">
                   <a14:useLocalDpi xmlns:a14="http://schemas.microsoft.com/office/drawing/2010/main" val="0"/>
@@ -3607,7 +3683,7 @@
             <p:nvPr/>
           </p:nvPicPr>
           <p:blipFill>
-            <a:blip r:embed="rId6" cstate="print">
+            <a:blip r:embed="rId5" cstate="print">
               <a:extLst>
                 <a:ext uri="{28A0092B-C50C-407E-A947-70E740481C1C}">
                   <a14:useLocalDpi xmlns:a14="http://schemas.microsoft.com/office/drawing/2010/main" val="0"/>
@@ -3637,7 +3713,7 @@
         </p:nvGrpSpPr>
         <p:grpSpPr>
           <a:xfrm>
-            <a:off x="7740352" y="921525"/>
+            <a:off x="7740348" y="2137175"/>
             <a:ext cx="1063365" cy="1283338"/>
             <a:chOff x="7740352" y="921525"/>
             <a:chExt cx="1063365" cy="1283338"/>
@@ -3652,7 +3728,7 @@
             <p:nvPr/>
           </p:nvPicPr>
           <p:blipFill>
-            <a:blip r:embed="rId7" cstate="print">
+            <a:blip r:embed="rId6" cstate="print">
               <a:extLst>
                 <a:ext uri="{28A0092B-C50C-407E-A947-70E740481C1C}">
                   <a14:useLocalDpi xmlns:a14="http://schemas.microsoft.com/office/drawing/2010/main" val="0"/>
@@ -3718,8 +3794,8 @@
         </p:nvCxnSpPr>
         <p:spPr>
           <a:xfrm rot="10800000">
-            <a:off x="7131270" y="1218918"/>
-            <a:ext cx="609082" cy="234291"/>
+            <a:off x="7131272" y="1200940"/>
+            <a:ext cx="609076" cy="1467918"/>
           </a:xfrm>
           <a:prstGeom prst="bentConnector3">
             <a:avLst/>
@@ -3757,8 +3833,8 @@
         </p:nvCxnSpPr>
         <p:spPr>
           <a:xfrm rot="10800000" flipV="1">
-            <a:off x="7131272" y="1453207"/>
-            <a:ext cx="609081" cy="202669"/>
+            <a:off x="7150812" y="2668857"/>
+            <a:ext cx="589537" cy="1723353"/>
           </a:xfrm>
           <a:prstGeom prst="bentConnector3">
             <a:avLst/>
@@ -3788,14 +3864,14 @@
       <p:sp>
         <p:nvSpPr>
           <p:cNvPr id="45" name="Rounded Rectangle 44">
-            <a:hlinkClick r:id="rId8"/>
+            <a:hlinkClick r:id="rId7"/>
           </p:cNvPr>
           <p:cNvSpPr/>
           <p:nvPr/>
         </p:nvSpPr>
         <p:spPr>
           <a:xfrm>
-            <a:off x="6195166" y="1488489"/>
+            <a:off x="6214706" y="4224823"/>
             <a:ext cx="936105" cy="334776"/>
           </a:xfrm>
           <a:prstGeom prst="roundRect">
@@ -3856,13 +3932,16 @@
                   <a:schemeClr val="tx1"/>
                 </a:solidFill>
               </a:rPr>
-              <a:t>Private ETL (879835)</a:t>
-            </a:r>
-            <a:endParaRPr lang="en-CA" sz="1200" b="1" dirty="0">
-              <a:solidFill>
-                <a:schemeClr val="tx1"/>
-              </a:solidFill>
-            </a:endParaRPr>
+              <a:t>Private ETL </a:t>
+            </a:r>
+            <a:r>
+              <a:rPr lang="en-CA" sz="1200" b="1" dirty="0">
+                <a:solidFill>
+                  <a:schemeClr val="tx1"/>
+                </a:solidFill>
+              </a:rPr>
+              <a:t>(no bug)</a:t>
+            </a:r>
           </a:p>
         </p:txBody>
       </p:sp>
@@ -3876,7 +3955,7 @@
         </p:nvCxnSpPr>
         <p:spPr>
           <a:xfrm rot="10800000" flipV="1">
-            <a:off x="5974647" y="1218916"/>
+            <a:off x="5974649" y="1200939"/>
             <a:ext cx="220518" cy="1"/>
           </a:xfrm>
           <a:prstGeom prst="bentConnector3">
@@ -3909,15 +3988,15 @@
       <p:sp>
         <p:nvSpPr>
           <p:cNvPr id="71" name="Rounded Rectangle 70">
-            <a:hlinkClick r:id="rId9"/>
+            <a:hlinkClick r:id="rId8"/>
           </p:cNvPr>
           <p:cNvSpPr/>
           <p:nvPr/>
         </p:nvSpPr>
         <p:spPr>
           <a:xfrm>
-            <a:off x="2159730" y="814195"/>
-            <a:ext cx="936105" cy="386745"/>
+            <a:off x="2150481" y="870723"/>
+            <a:ext cx="1097819" cy="660428"/>
           </a:xfrm>
           <a:prstGeom prst="roundRect">
             <a:avLst/>
@@ -3972,21 +4051,26 @@
           <a:p>
             <a:pPr algn="ctr"/>
             <a:r>
-              <a:rPr lang="en-CA" sz="1200" b="1" dirty="0" err="1" smtClean="0">
-                <a:solidFill>
-                  <a:schemeClr val="tx1"/>
-                </a:solidFill>
-              </a:rPr>
-              <a:t>esFrontline</a:t>
-            </a:r>
-            <a:r>
               <a:rPr lang="en-CA" sz="1200" b="1" dirty="0" smtClean="0">
                 <a:solidFill>
                   <a:schemeClr val="tx1"/>
                 </a:solidFill>
               </a:rPr>
-              <a:t> (879833)</a:t>
-            </a:r>
+              <a:t>Public ActiveData </a:t>
+            </a:r>
+            <a:r>
+              <a:rPr lang="en-CA" sz="1200" b="1" dirty="0">
+                <a:solidFill>
+                  <a:schemeClr val="tx1"/>
+                </a:solidFill>
+              </a:rPr>
+              <a:t>(no bug yet)</a:t>
+            </a:r>
+            <a:endParaRPr lang="en-CA" sz="1200" b="1" dirty="0" smtClean="0">
+              <a:solidFill>
+                <a:schemeClr val="tx1"/>
+              </a:solidFill>
+            </a:endParaRPr>
           </a:p>
         </p:txBody>
       </p:sp>
@@ -3994,15 +4078,15 @@
         <p:nvCxnSpPr>
           <p:cNvPr id="72" name="Elbow Connector 71"/>
           <p:cNvCxnSpPr>
-            <a:stCxn id="10" idx="1"/>
+            <a:stCxn id="84" idx="1"/>
             <a:endCxn id="71" idx="3"/>
           </p:cNvCxnSpPr>
           <p:nvPr/>
         </p:nvCxnSpPr>
         <p:spPr>
-          <a:xfrm rot="10800000" flipV="1">
-            <a:off x="3095835" y="977474"/>
-            <a:ext cx="988264" cy="30093"/>
+          <a:xfrm rot="10800000">
+            <a:off x="3248301" y="1200938"/>
+            <a:ext cx="554623" cy="1"/>
           </a:xfrm>
           <a:prstGeom prst="bentConnector3">
             <a:avLst>
@@ -4035,14 +4119,14 @@
       <p:sp>
         <p:nvSpPr>
           <p:cNvPr id="94" name="Rounded Rectangle 93">
-            <a:hlinkClick r:id="rId8"/>
+            <a:hlinkClick r:id="rId7"/>
           </p:cNvPr>
           <p:cNvSpPr/>
           <p:nvPr/>
         </p:nvSpPr>
         <p:spPr>
           <a:xfrm>
-            <a:off x="6195165" y="1051529"/>
+            <a:off x="6195167" y="1033552"/>
             <a:ext cx="936105" cy="334776"/>
           </a:xfrm>
           <a:prstGeom prst="roundRect">
@@ -4103,13 +4187,16 @@
                   <a:schemeClr val="tx1"/>
                 </a:solidFill>
               </a:rPr>
-              <a:t>Public ETL (879835)</a:t>
-            </a:r>
-            <a:endParaRPr lang="en-CA" sz="1200" b="1" dirty="0">
-              <a:solidFill>
-                <a:schemeClr val="tx1"/>
-              </a:solidFill>
-            </a:endParaRPr>
+              <a:t>Public ETL </a:t>
+            </a:r>
+            <a:r>
+              <a:rPr lang="en-CA" sz="1200" b="1" dirty="0">
+                <a:solidFill>
+                  <a:schemeClr val="tx1"/>
+                </a:solidFill>
+              </a:rPr>
+              <a:t>(no bug)</a:t>
+            </a:r>
           </a:p>
         </p:txBody>
       </p:sp>
@@ -4121,7 +4208,7 @@
         </p:nvGrpSpPr>
         <p:grpSpPr>
           <a:xfrm>
-            <a:off x="179512" y="543441"/>
+            <a:off x="197750" y="1110930"/>
             <a:ext cx="1311374" cy="1065290"/>
             <a:chOff x="3689433" y="4989465"/>
             <a:chExt cx="1619250" cy="1368266"/>
@@ -4136,7 +4223,7 @@
             <p:nvPr/>
           </p:nvPicPr>
           <p:blipFill>
-            <a:blip r:embed="rId10" cstate="print">
+            <a:blip r:embed="rId9" cstate="print">
               <a:extLst>
                 <a:ext uri="{28A0092B-C50C-407E-A947-70E740481C1C}">
                   <a14:useLocalDpi xmlns:a14="http://schemas.microsoft.com/office/drawing/2010/main" val="0"/>
@@ -4199,8 +4286,8 @@
         </p:nvCxnSpPr>
         <p:spPr>
           <a:xfrm rot="10800000" flipV="1">
-            <a:off x="1490886" y="1007568"/>
-            <a:ext cx="668844" cy="68518"/>
+            <a:off x="1509125" y="1200937"/>
+            <a:ext cx="641357" cy="442638"/>
           </a:xfrm>
           <a:prstGeom prst="bentConnector3">
             <a:avLst>
@@ -4277,7 +4364,7 @@
         <p:spPr>
           <a:xfrm>
             <a:off x="5724128" y="386611"/>
-            <a:ext cx="1011880" cy="276999"/>
+            <a:ext cx="1699119" cy="276999"/>
           </a:xfrm>
           <a:prstGeom prst="rect">
             <a:avLst/>
@@ -4296,7 +4383,7 @@
                   <a:srgbClr val="7030A0"/>
                 </a:solidFill>
               </a:rPr>
-              <a:t>Privileged BZ</a:t>
+              <a:t>Privileged Bugzilla Zone</a:t>
             </a:r>
             <a:endParaRPr lang="en-CA" sz="1200" b="1" dirty="0">
               <a:solidFill>
@@ -4314,12 +4401,12 @@
         </p:nvCxnSpPr>
         <p:spPr>
           <a:xfrm rot="10800000" flipV="1">
-            <a:off x="5959788" y="1655875"/>
+            <a:off x="5979326" y="4399394"/>
             <a:ext cx="220518" cy="1"/>
           </a:xfrm>
           <a:prstGeom prst="bentConnector3">
             <a:avLst>
-              <a:gd name="adj1" fmla="val 50000"/>
+              <a:gd name="adj1" fmla="val 62565"/>
             </a:avLst>
           </a:prstGeom>
           <a:ln w="31750">
@@ -4352,7 +4439,7 @@
         </p:nvSpPr>
         <p:spPr>
           <a:xfrm>
-            <a:off x="6259745" y="3266360"/>
+            <a:off x="6564284" y="5255016"/>
             <a:ext cx="2352134" cy="600164"/>
           </a:xfrm>
           <a:prstGeom prst="rect">
@@ -4378,30 +4465,114 @@
           </a:p>
         </p:txBody>
       </p:sp>
+      <p:cxnSp>
+        <p:nvCxnSpPr>
+          <p:cNvPr id="61" name="Elbow Connector 60"/>
+          <p:cNvCxnSpPr>
+            <a:stCxn id="84" idx="2"/>
+            <a:endCxn id="4" idx="1"/>
+          </p:cNvCxnSpPr>
+          <p:nvPr/>
+        </p:nvCxnSpPr>
+        <p:spPr>
+          <a:xfrm rot="5400000">
+            <a:off x="4103134" y="2194209"/>
+            <a:ext cx="843316" cy="50150"/>
+          </a:xfrm>
+          <a:prstGeom prst="bentConnector4">
+            <a:avLst>
+              <a:gd name="adj1" fmla="val 35543"/>
+              <a:gd name="adj2" fmla="val 1896516"/>
+            </a:avLst>
+          </a:prstGeom>
+          <a:ln w="31750">
+            <a:solidFill>
+              <a:schemeClr val="tx1"/>
+            </a:solidFill>
+            <a:headEnd type="none"/>
+            <a:tailEnd type="arrow"/>
+          </a:ln>
+        </p:spPr>
+        <p:style>
+          <a:lnRef idx="1">
+            <a:schemeClr val="accent1"/>
+          </a:lnRef>
+          <a:fillRef idx="0">
+            <a:schemeClr val="accent1"/>
+          </a:fillRef>
+          <a:effectRef idx="0">
+            <a:schemeClr val="accent1"/>
+          </a:effectRef>
+          <a:fontRef idx="minor">
+            <a:schemeClr val="tx1"/>
+          </a:fontRef>
+        </p:style>
+      </p:cxnSp>
+      <p:cxnSp>
+        <p:nvCxnSpPr>
+          <p:cNvPr id="36" name="Elbow Connector 35"/>
+          <p:cNvCxnSpPr>
+            <a:stCxn id="94" idx="1"/>
+            <a:endCxn id="84" idx="3"/>
+          </p:cNvCxnSpPr>
+          <p:nvPr/>
+        </p:nvCxnSpPr>
+        <p:spPr>
+          <a:xfrm rot="10800000">
+            <a:off x="5296811" y="1200938"/>
+            <a:ext cx="898357" cy="2"/>
+          </a:xfrm>
+          <a:prstGeom prst="bentConnector3">
+            <a:avLst>
+              <a:gd name="adj1" fmla="val 50000"/>
+            </a:avLst>
+          </a:prstGeom>
+          <a:ln w="31750">
+            <a:solidFill>
+              <a:schemeClr val="tx1"/>
+            </a:solidFill>
+            <a:tailEnd type="none"/>
+          </a:ln>
+        </p:spPr>
+        <p:style>
+          <a:lnRef idx="1">
+            <a:schemeClr val="accent1"/>
+          </a:lnRef>
+          <a:fillRef idx="0">
+            <a:schemeClr val="accent1"/>
+          </a:fillRef>
+          <a:effectRef idx="0">
+            <a:schemeClr val="accent1"/>
+          </a:effectRef>
+          <a:fontRef idx="minor">
+            <a:schemeClr val="tx1"/>
+          </a:fontRef>
+        </p:style>
+      </p:cxnSp>
       <p:grpSp>
         <p:nvGrpSpPr>
-          <p:cNvPr id="52" name="Group 51"/>
+          <p:cNvPr id="65" name="Group 64"/>
           <p:cNvGrpSpPr/>
           <p:nvPr/>
         </p:nvGrpSpPr>
         <p:grpSpPr>
           <a:xfrm>
-            <a:off x="2005774" y="4286799"/>
-            <a:ext cx="2320624" cy="1734489"/>
+            <a:off x="146847" y="3577573"/>
+            <a:ext cx="1311377" cy="1065290"/>
             <a:chOff x="3689433" y="4989465"/>
-            <a:chExt cx="1619250" cy="1368266"/>
+            <a:chExt cx="1619252" cy="1368266"/>
           </a:xfrm>
         </p:grpSpPr>
         <p:pic>
           <p:nvPicPr>
-            <p:cNvPr id="54" name="Picture 53"/>
+            <p:cNvPr id="67" name="Picture 66"/>
             <p:cNvPicPr>
               <a:picLocks noChangeAspect="1"/>
             </p:cNvPicPr>
             <p:nvPr/>
           </p:nvPicPr>
           <p:blipFill>
-            <a:blip r:embed="rId10" cstate="print">
+            <a:blip r:embed="rId9" cstate="print">
               <a:extLst>
                 <a:ext uri="{28A0092B-C50C-407E-A947-70E740481C1C}">
                   <a14:useLocalDpi xmlns:a14="http://schemas.microsoft.com/office/drawing/2010/main" val="0"/>
@@ -4424,14 +4595,14 @@
         </p:pic>
         <p:sp>
           <p:nvSpPr>
-            <p:cNvPr id="55" name="TextBox 54"/>
+            <p:cNvPr id="68" name="TextBox 67"/>
             <p:cNvSpPr txBox="1"/>
             <p:nvPr/>
           </p:nvSpPr>
           <p:spPr>
             <a:xfrm>
-              <a:off x="3771522" y="5364854"/>
-              <a:ext cx="1537161" cy="474373"/>
+              <a:off x="3752287" y="5271439"/>
+              <a:ext cx="1556398" cy="830152"/>
             </a:xfrm>
             <a:prstGeom prst="rect">
               <a:avLst/>
@@ -4445,30 +4616,194 @@
             <a:lstStyle/>
             <a:p>
               <a:r>
+                <a:rPr lang="en-CA" dirty="0" err="1" smtClean="0"/>
+                <a:t>MozillaVPN</a:t>
+              </a:r>
+              <a:r>
                 <a:rPr lang="en-CA" dirty="0" smtClean="0"/>
-                <a:t>LDAP Users</a:t>
+                <a:t/>
               </a:r>
-              <a:endParaRPr lang="en-CA" dirty="0"/>
+              <a:br>
+                <a:rPr lang="en-CA" dirty="0" smtClean="0"/>
+              </a:br>
+              <a:r>
+                <a:rPr lang="en-CA" dirty="0" smtClean="0"/>
+                <a:t>Users</a:t>
+              </a:r>
             </a:p>
           </p:txBody>
         </p:sp>
       </p:grpSp>
+      <p:sp>
+        <p:nvSpPr>
+          <p:cNvPr id="69" name="Rounded Rectangle 68">
+            <a:hlinkClick r:id="rId4"/>
+          </p:cNvPr>
+          <p:cNvSpPr/>
+          <p:nvPr/>
+        </p:nvSpPr>
+        <p:spPr>
+          <a:xfrm>
+            <a:off x="2007371" y="3974804"/>
+            <a:ext cx="1318714" cy="1102888"/>
+          </a:xfrm>
+          <a:prstGeom prst="roundRect">
+            <a:avLst/>
+          </a:prstGeom>
+          <a:noFill/>
+          <a:ln>
+            <a:solidFill>
+              <a:schemeClr val="accent1">
+                <a:lumMod val="40000"/>
+                <a:lumOff val="60000"/>
+              </a:schemeClr>
+            </a:solidFill>
+          </a:ln>
+        </p:spPr>
+        <p:style>
+          <a:lnRef idx="2">
+            <a:schemeClr val="accent1">
+              <a:shade val="50000"/>
+            </a:schemeClr>
+          </a:lnRef>
+          <a:fillRef idx="1">
+            <a:schemeClr val="accent1"/>
+          </a:fillRef>
+          <a:effectRef idx="0">
+            <a:schemeClr val="accent1"/>
+          </a:effectRef>
+          <a:fontRef idx="minor">
+            <a:schemeClr val="lt1"/>
+          </a:fontRef>
+        </p:style>
+        <p:txBody>
+          <a:bodyPr rtlCol="0" anchor="b" anchorCtr="0"/>
+          <a:lstStyle/>
+          <a:p>
+            <a:pPr algn="ctr"/>
+            <a:r>
+              <a:rPr lang="en-CA" sz="1200" b="1" dirty="0">
+                <a:solidFill>
+                  <a:schemeClr val="tx1"/>
+                </a:solidFill>
+              </a:rPr>
+              <a:t>VM(no bug yet)</a:t>
+            </a:r>
+            <a:endParaRPr lang="en-CA" sz="1200" b="1" dirty="0" smtClean="0">
+              <a:solidFill>
+                <a:schemeClr val="tx1"/>
+              </a:solidFill>
+            </a:endParaRPr>
+          </a:p>
+        </p:txBody>
+      </p:sp>
+      <p:sp>
+        <p:nvSpPr>
+          <p:cNvPr id="70" name="Rounded Rectangle 69">
+            <a:hlinkClick r:id="rId8"/>
+          </p:cNvPr>
+          <p:cNvSpPr/>
+          <p:nvPr/>
+        </p:nvSpPr>
+        <p:spPr>
+          <a:xfrm>
+            <a:off x="2115381" y="4060026"/>
+            <a:ext cx="1097820" cy="660428"/>
+          </a:xfrm>
+          <a:prstGeom prst="roundRect">
+            <a:avLst/>
+          </a:prstGeom>
+          <a:gradFill>
+            <a:gsLst>
+              <a:gs pos="0">
+                <a:schemeClr val="bg1">
+                  <a:lumMod val="95000"/>
+                </a:schemeClr>
+              </a:gs>
+              <a:gs pos="50000">
+                <a:schemeClr val="bg1">
+                  <a:lumMod val="95000"/>
+                </a:schemeClr>
+              </a:gs>
+              <a:gs pos="100000">
+                <a:schemeClr val="bg1">
+                  <a:lumMod val="85000"/>
+                </a:schemeClr>
+              </a:gs>
+            </a:gsLst>
+            <a:lin ang="5400000" scaled="0"/>
+          </a:gradFill>
+          <a:ln>
+            <a:solidFill>
+              <a:schemeClr val="accent6">
+                <a:lumMod val="75000"/>
+              </a:schemeClr>
+            </a:solidFill>
+          </a:ln>
+        </p:spPr>
+        <p:style>
+          <a:lnRef idx="2">
+            <a:schemeClr val="accent1">
+              <a:shade val="50000"/>
+            </a:schemeClr>
+          </a:lnRef>
+          <a:fillRef idx="1">
+            <a:schemeClr val="accent1"/>
+          </a:fillRef>
+          <a:effectRef idx="0">
+            <a:schemeClr val="accent1"/>
+          </a:effectRef>
+          <a:fontRef idx="minor">
+            <a:schemeClr val="lt1"/>
+          </a:fontRef>
+        </p:style>
+        <p:txBody>
+          <a:bodyPr rtlCol="0" anchor="ctr"/>
+          <a:lstStyle/>
+          <a:p>
+            <a:pPr algn="ctr"/>
+            <a:r>
+              <a:rPr lang="en-CA" sz="1200" b="1" dirty="0" smtClean="0">
+                <a:solidFill>
+                  <a:schemeClr val="tx1"/>
+                </a:solidFill>
+              </a:rPr>
+              <a:t>Private ActiveData </a:t>
+            </a:r>
+            <a:r>
+              <a:rPr lang="en-CA" sz="1200" b="1" dirty="0">
+                <a:solidFill>
+                  <a:schemeClr val="tx1"/>
+                </a:solidFill>
+              </a:rPr>
+              <a:t>(no bug yet)</a:t>
+            </a:r>
+            <a:endParaRPr lang="en-CA" sz="1200" b="1" dirty="0" smtClean="0">
+              <a:solidFill>
+                <a:schemeClr val="tx1"/>
+              </a:solidFill>
+            </a:endParaRPr>
+          </a:p>
+        </p:txBody>
+      </p:sp>
       <p:cxnSp>
         <p:nvCxnSpPr>
-          <p:cNvPr id="56" name="Elbow Connector 55"/>
+          <p:cNvPr id="75" name="Elbow Connector 74"/>
           <p:cNvCxnSpPr>
-            <a:stCxn id="6" idx="1"/>
-            <a:endCxn id="54" idx="0"/>
+            <a:stCxn id="70" idx="1"/>
+            <a:endCxn id="67" idx="3"/>
           </p:cNvCxnSpPr>
           <p:nvPr/>
         </p:nvCxnSpPr>
         <p:spPr>
-          <a:xfrm rot="10800000" flipV="1">
-            <a:off x="3166087" y="2637781"/>
-            <a:ext cx="936845" cy="1649017"/>
-          </a:xfrm>
-          <a:prstGeom prst="bentConnector2">
-            <a:avLst/>
+          <a:xfrm rot="10800000">
+            <a:off x="1458223" y="4110218"/>
+            <a:ext cx="657159" cy="280022"/>
+          </a:xfrm>
+          <a:prstGeom prst="bentConnector3">
+            <a:avLst>
+              <a:gd name="adj1" fmla="val 50000"/>
+            </a:avLst>
           </a:prstGeom>
           <a:ln w="31750">
             <a:solidFill>
@@ -4493,6 +4828,87 @@
           </a:fontRef>
         </p:style>
       </p:cxnSp>
+      <p:sp>
+        <p:nvSpPr>
+          <p:cNvPr id="82" name="Rounded Rectangle 81">
+            <a:hlinkClick r:id="rId4"/>
+          </p:cNvPr>
+          <p:cNvSpPr/>
+          <p:nvPr/>
+        </p:nvSpPr>
+        <p:spPr>
+          <a:xfrm>
+            <a:off x="4013467" y="2256531"/>
+            <a:ext cx="1409589" cy="1067693"/>
+          </a:xfrm>
+          <a:prstGeom prst="roundRect">
+            <a:avLst/>
+          </a:prstGeom>
+          <a:noFill/>
+          <a:ln>
+            <a:solidFill>
+              <a:schemeClr val="accent1">
+                <a:lumMod val="40000"/>
+                <a:lumOff val="60000"/>
+              </a:schemeClr>
+            </a:solidFill>
+          </a:ln>
+        </p:spPr>
+        <p:style>
+          <a:lnRef idx="2">
+            <a:schemeClr val="accent1">
+              <a:shade val="50000"/>
+            </a:schemeClr>
+          </a:lnRef>
+          <a:fillRef idx="1">
+            <a:schemeClr val="accent1"/>
+          </a:fillRef>
+          <a:effectRef idx="0">
+            <a:schemeClr val="accent1"/>
+          </a:effectRef>
+          <a:fontRef idx="minor">
+            <a:schemeClr val="lt1"/>
+          </a:fontRef>
+        </p:style>
+        <p:txBody>
+          <a:bodyPr rtlCol="0" anchor="b" anchorCtr="0"/>
+          <a:lstStyle/>
+          <a:p>
+            <a:pPr algn="ctr"/>
+            <a:r>
+              <a:rPr lang="en-CA" sz="1200" b="1" dirty="0" smtClean="0">
+                <a:solidFill>
+                  <a:schemeClr val="tx1"/>
+                </a:solidFill>
+              </a:rPr>
+              <a:t>Post-ETL Server</a:t>
+            </a:r>
+            <a:br>
+              <a:rPr lang="en-CA" sz="1200" b="1" dirty="0" smtClean="0">
+                <a:solidFill>
+                  <a:schemeClr val="tx1"/>
+                </a:solidFill>
+              </a:rPr>
+            </a:br>
+            <a:r>
+              <a:rPr lang="en-CA" sz="1200" b="1" dirty="0">
+                <a:solidFill>
+                  <a:schemeClr val="tx1"/>
+                </a:solidFill>
+              </a:rPr>
+              <a:t>(</a:t>
+            </a:r>
+            <a:r>
+              <a:rPr lang="en-CA" sz="1200" b="1" dirty="0" smtClean="0">
+                <a:solidFill>
+                  <a:schemeClr val="tx1"/>
+                </a:solidFill>
+              </a:rPr>
+              <a:t>1344253)</a:t>
+            </a:r>
+          </a:p>
+        </p:txBody>
+      </p:sp>
       <p:pic>
         <p:nvPicPr>
           <p:cNvPr id="4" name="Picture 3"/>
@@ -4502,7 +4918,7 @@
           <p:nvPr/>
         </p:nvPicPr>
         <p:blipFill>
-          <a:blip r:embed="rId11" cstate="print">
+          <a:blip r:embed="rId10" cstate="print">
             <a:extLst>
               <a:ext uri="{28A0092B-C50C-407E-A947-70E740481C1C}">
                 <a14:useLocalDpi xmlns:a14="http://schemas.microsoft.com/office/drawing/2010/main" val="0"/>
@@ -4515,7 +4931,7 @@
         </p:blipFill>
         <p:spPr>
           <a:xfrm>
-            <a:off x="3415744" y="4876333"/>
+            <a:off x="4499717" y="2397106"/>
             <a:ext cx="487671" cy="487671"/>
           </a:xfrm>
           <a:prstGeom prst="rect">
@@ -4523,22 +4939,110 @@
           </a:prstGeom>
         </p:spPr>
       </p:pic>
+      <p:sp>
+        <p:nvSpPr>
+          <p:cNvPr id="85" name="Rounded Rectangle 84">
+            <a:hlinkClick r:id="rId11"/>
+          </p:cNvPr>
+          <p:cNvSpPr/>
+          <p:nvPr/>
+        </p:nvSpPr>
+        <p:spPr>
+          <a:xfrm>
+            <a:off x="3833382" y="3778441"/>
+            <a:ext cx="1451806" cy="1224137"/>
+          </a:xfrm>
+          <a:prstGeom prst="roundRect">
+            <a:avLst/>
+          </a:prstGeom>
+          <a:noFill/>
+          <a:ln>
+            <a:solidFill>
+              <a:schemeClr val="accent1">
+                <a:lumMod val="40000"/>
+                <a:lumOff val="60000"/>
+              </a:schemeClr>
+            </a:solidFill>
+          </a:ln>
+        </p:spPr>
+        <p:style>
+          <a:lnRef idx="2">
+            <a:schemeClr val="accent1">
+              <a:shade val="50000"/>
+            </a:schemeClr>
+          </a:lnRef>
+          <a:fillRef idx="1">
+            <a:schemeClr val="accent1"/>
+          </a:fillRef>
+          <a:effectRef idx="0">
+            <a:schemeClr val="accent1"/>
+          </a:effectRef>
+          <a:fontRef idx="minor">
+            <a:schemeClr val="lt1"/>
+          </a:fontRef>
+        </p:style>
+        <p:txBody>
+          <a:bodyPr rtlCol="0" anchor="b" anchorCtr="0"/>
+          <a:lstStyle/>
+          <a:p>
+            <a:pPr algn="ctr"/>
+            <a:r>
+              <a:rPr lang="en-CA" sz="1200" b="1" dirty="0" smtClean="0">
+                <a:solidFill>
+                  <a:schemeClr val="tx1"/>
+                </a:solidFill>
+              </a:rPr>
+              <a:t>Private ES Cluster</a:t>
+            </a:r>
+            <a:br>
+              <a:rPr lang="en-CA" sz="1200" b="1" dirty="0" smtClean="0">
+                <a:solidFill>
+                  <a:schemeClr val="tx1"/>
+                </a:solidFill>
+              </a:rPr>
+            </a:br>
+            <a:r>
+              <a:rPr lang="en-CA" sz="1200" b="1" dirty="0" smtClean="0">
+                <a:solidFill>
+                  <a:schemeClr val="tx1"/>
+                </a:solidFill>
+              </a:rPr>
+              <a:t>(1429564</a:t>
+            </a:r>
+            <a:r>
+              <a:rPr lang="en-CA" sz="1200" b="1" dirty="0">
+                <a:solidFill>
+                  <a:schemeClr val="tx1"/>
+                </a:solidFill>
+              </a:rPr>
+              <a:t>)</a:t>
+            </a:r>
+            <a:endParaRPr lang="en-CA" sz="1200" b="1" dirty="0" smtClean="0">
+              <a:solidFill>
+                <a:schemeClr val="tx1"/>
+              </a:solidFill>
+            </a:endParaRPr>
+          </a:p>
+        </p:txBody>
+      </p:sp>
       <p:cxnSp>
         <p:nvCxnSpPr>
-          <p:cNvPr id="61" name="Elbow Connector 60"/>
+          <p:cNvPr id="90" name="Elbow Connector 89"/>
           <p:cNvCxnSpPr>
-            <a:stCxn id="6" idx="1"/>
-            <a:endCxn id="4" idx="0"/>
+            <a:stCxn id="85" idx="1"/>
+            <a:endCxn id="70" idx="3"/>
           </p:cNvCxnSpPr>
           <p:nvPr/>
         </p:nvCxnSpPr>
         <p:spPr>
-          <a:xfrm rot="10800000" flipV="1">
-            <a:off x="3659581" y="2637781"/>
-            <a:ext cx="443351" cy="2238551"/>
-          </a:xfrm>
-          <a:prstGeom prst="bentConnector2">
-            <a:avLst/>
+          <a:xfrm rot="10800000">
+            <a:off x="3213202" y="4390240"/>
+            <a:ext cx="620181" cy="270"/>
+          </a:xfrm>
+          <a:prstGeom prst="bentConnector3">
+            <a:avLst>
+              <a:gd name="adj1" fmla="val 50000"/>
+            </a:avLst>
           </a:prstGeom>
           <a:ln w="31750">
             <a:solidFill>
@@ -4563,228 +5067,62 @@
           </a:fontRef>
         </p:style>
       </p:cxnSp>
-      <p:sp>
-        <p:nvSpPr>
-          <p:cNvPr id="129" name="TextBox 128"/>
-          <p:cNvSpPr txBox="1"/>
-          <p:nvPr/>
-        </p:nvSpPr>
-        <p:spPr>
-          <a:xfrm>
-            <a:off x="3057011" y="5411061"/>
-            <a:ext cx="1205138" cy="276999"/>
-          </a:xfrm>
-          <a:prstGeom prst="rect">
-            <a:avLst/>
-          </a:prstGeom>
-          <a:noFill/>
-        </p:spPr>
-        <p:txBody>
-          <a:bodyPr wrap="none" rtlCol="0">
-            <a:spAutoFit/>
-          </a:bodyPr>
-          <a:lstStyle/>
-          <a:p>
-            <a:r>
-              <a:rPr lang="en-CA" sz="1200" b="1" dirty="0" smtClean="0"/>
-              <a:t>Kyle’s ES Cluster</a:t>
-            </a:r>
-          </a:p>
-        </p:txBody>
-      </p:sp>
-      <p:sp>
-        <p:nvSpPr>
-          <p:cNvPr id="33" name="TextBox 32"/>
-          <p:cNvSpPr txBox="1"/>
-          <p:nvPr/>
-        </p:nvSpPr>
-        <p:spPr>
-          <a:xfrm>
-            <a:off x="4934613" y="723181"/>
-            <a:ext cx="494046" cy="276999"/>
-          </a:xfrm>
-          <a:prstGeom prst="rect">
-            <a:avLst/>
-          </a:prstGeom>
-          <a:noFill/>
-        </p:spPr>
-        <p:txBody>
-          <a:bodyPr wrap="none" rtlCol="0">
-            <a:spAutoFit/>
-          </a:bodyPr>
-          <a:lstStyle/>
-          <a:p>
-            <a:r>
-              <a:rPr lang="en-CA" sz="600" b="1" dirty="0" smtClean="0"/>
-              <a:t>HTTP </a:t>
-            </a:r>
-          </a:p>
-          <a:p>
-            <a:r>
-              <a:rPr lang="en-CA" sz="600" b="1" dirty="0" smtClean="0"/>
-              <a:t>port 9200</a:t>
-            </a:r>
-            <a:endParaRPr lang="en-CA" sz="600" b="1" dirty="0"/>
-          </a:p>
-        </p:txBody>
-      </p:sp>
-      <p:sp>
-        <p:nvSpPr>
-          <p:cNvPr id="63" name="TextBox 62"/>
-          <p:cNvSpPr txBox="1"/>
-          <p:nvPr/>
-        </p:nvSpPr>
-        <p:spPr>
-          <a:xfrm>
-            <a:off x="3629395" y="719020"/>
-            <a:ext cx="494046" cy="276999"/>
-          </a:xfrm>
-          <a:prstGeom prst="rect">
-            <a:avLst/>
-          </a:prstGeom>
-          <a:noFill/>
-        </p:spPr>
-        <p:txBody>
-          <a:bodyPr wrap="none" rtlCol="0">
-            <a:spAutoFit/>
-          </a:bodyPr>
-          <a:lstStyle/>
-          <a:p>
-            <a:r>
-              <a:rPr lang="en-CA" sz="600" b="1" dirty="0" smtClean="0"/>
-              <a:t>HTTP </a:t>
-            </a:r>
-          </a:p>
-          <a:p>
-            <a:r>
-              <a:rPr lang="en-CA" sz="600" b="1" dirty="0" smtClean="0"/>
-              <a:t>port 9200</a:t>
-            </a:r>
-            <a:endParaRPr lang="en-CA" sz="600" b="1" dirty="0"/>
-          </a:p>
-        </p:txBody>
-      </p:sp>
-      <p:sp>
-        <p:nvSpPr>
-          <p:cNvPr id="64" name="TextBox 63"/>
-          <p:cNvSpPr txBox="1"/>
-          <p:nvPr/>
-        </p:nvSpPr>
-        <p:spPr>
-          <a:xfrm>
-            <a:off x="4937291" y="2379197"/>
-            <a:ext cx="494046" cy="276999"/>
-          </a:xfrm>
-          <a:prstGeom prst="rect">
-            <a:avLst/>
-          </a:prstGeom>
-          <a:noFill/>
-        </p:spPr>
-        <p:txBody>
-          <a:bodyPr wrap="none" rtlCol="0">
-            <a:spAutoFit/>
-          </a:bodyPr>
-          <a:lstStyle/>
-          <a:p>
-            <a:r>
-              <a:rPr lang="en-CA" sz="600" b="1" dirty="0" smtClean="0"/>
-              <a:t>HTTP </a:t>
-            </a:r>
-          </a:p>
-          <a:p>
-            <a:r>
-              <a:rPr lang="en-CA" sz="600" b="1" dirty="0" smtClean="0"/>
-              <a:t>port 9200</a:t>
-            </a:r>
-            <a:endParaRPr lang="en-CA" sz="600" b="1" dirty="0"/>
-          </a:p>
-        </p:txBody>
-      </p:sp>
-      <p:sp>
-        <p:nvSpPr>
-          <p:cNvPr id="65" name="TextBox 64"/>
-          <p:cNvSpPr txBox="1"/>
-          <p:nvPr/>
-        </p:nvSpPr>
-        <p:spPr>
-          <a:xfrm>
-            <a:off x="3614271" y="2365768"/>
-            <a:ext cx="494046" cy="276999"/>
-          </a:xfrm>
-          <a:prstGeom prst="rect">
-            <a:avLst/>
-          </a:prstGeom>
-          <a:noFill/>
-        </p:spPr>
-        <p:txBody>
-          <a:bodyPr wrap="none" rtlCol="0">
-            <a:spAutoFit/>
-          </a:bodyPr>
-          <a:lstStyle/>
-          <a:p>
-            <a:r>
-              <a:rPr lang="en-CA" sz="600" b="1" dirty="0" smtClean="0"/>
-              <a:t>HTTP </a:t>
-            </a:r>
-          </a:p>
-          <a:p>
-            <a:r>
-              <a:rPr lang="en-CA" sz="600" b="1" dirty="0" smtClean="0"/>
-              <a:t>port 9200</a:t>
-            </a:r>
-            <a:endParaRPr lang="en-CA" sz="600" b="1" dirty="0"/>
-          </a:p>
-        </p:txBody>
-      </p:sp>
-      <p:sp>
-        <p:nvSpPr>
-          <p:cNvPr id="66" name="TextBox 65"/>
-          <p:cNvSpPr txBox="1"/>
-          <p:nvPr/>
-        </p:nvSpPr>
-        <p:spPr>
-          <a:xfrm>
-            <a:off x="1737610" y="737081"/>
-            <a:ext cx="494046" cy="276999"/>
-          </a:xfrm>
-          <a:prstGeom prst="rect">
-            <a:avLst/>
-          </a:prstGeom>
-          <a:noFill/>
-        </p:spPr>
-        <p:txBody>
-          <a:bodyPr wrap="none" rtlCol="0">
-            <a:spAutoFit/>
-          </a:bodyPr>
-          <a:lstStyle/>
-          <a:p>
-            <a:r>
-              <a:rPr lang="en-CA" sz="600" b="1" dirty="0" smtClean="0"/>
-              <a:t>HTTP </a:t>
-            </a:r>
-          </a:p>
-          <a:p>
-            <a:r>
-              <a:rPr lang="en-CA" sz="600" b="1" dirty="0" smtClean="0"/>
-              <a:t>port 9292</a:t>
-            </a:r>
-            <a:endParaRPr lang="en-CA" sz="600" b="1" dirty="0"/>
-          </a:p>
-        </p:txBody>
-      </p:sp>
       <p:cxnSp>
         <p:nvCxnSpPr>
-          <p:cNvPr id="36" name="Elbow Connector 35"/>
+          <p:cNvPr id="142" name="Elbow Connector 141"/>
           <p:cNvCxnSpPr>
-            <a:stCxn id="94" idx="1"/>
-            <a:endCxn id="11" idx="3"/>
+            <a:stCxn id="85" idx="0"/>
+            <a:endCxn id="4" idx="1"/>
+          </p:cNvCxnSpPr>
+          <p:nvPr/>
+        </p:nvCxnSpPr>
+        <p:spPr>
+          <a:xfrm rot="16200000" flipV="1">
+            <a:off x="3960752" y="3179908"/>
+            <a:ext cx="1137499" cy="59568"/>
+          </a:xfrm>
+          <a:prstGeom prst="bentConnector4">
+            <a:avLst>
+              <a:gd name="adj1" fmla="val 19604"/>
+              <a:gd name="adj2" fmla="val 1602375"/>
+            </a:avLst>
+          </a:prstGeom>
+          <a:ln w="31750">
+            <a:solidFill>
+              <a:schemeClr val="tx1"/>
+            </a:solidFill>
+            <a:headEnd type="none"/>
+            <a:tailEnd type="arrow"/>
+          </a:ln>
+        </p:spPr>
+        <p:style>
+          <a:lnRef idx="1">
+            <a:schemeClr val="accent1"/>
+          </a:lnRef>
+          <a:fillRef idx="0">
+            <a:schemeClr val="accent1"/>
+          </a:fillRef>
+          <a:effectRef idx="0">
+            <a:schemeClr val="accent1"/>
+          </a:effectRef>
+          <a:fontRef idx="minor">
+            <a:schemeClr val="tx1"/>
+          </a:fontRef>
+        </p:style>
+      </p:cxnSp>
+      <p:cxnSp>
+        <p:nvCxnSpPr>
+          <p:cNvPr id="41" name="Elbow Connector 40"/>
+          <p:cNvCxnSpPr>
+            <a:stCxn id="45" idx="1"/>
+            <a:endCxn id="85" idx="3"/>
           </p:cNvCxnSpPr>
           <p:nvPr/>
         </p:nvCxnSpPr>
         <p:spPr>
           <a:xfrm rot="10800000">
-            <a:off x="4959137" y="983827"/>
-            <a:ext cx="1236028" cy="235090"/>
+            <a:off x="5285188" y="4390511"/>
+            <a:ext cx="929518" cy="1701"/>
           </a:xfrm>
           <a:prstGeom prst="bentConnector3">
             <a:avLst>
@@ -4815,17 +5153,16 @@
       </p:cxnSp>
       <p:cxnSp>
         <p:nvCxnSpPr>
-          <p:cNvPr id="41" name="Elbow Connector 40"/>
+          <p:cNvPr id="154" name="Elbow Connector 153"/>
           <p:cNvCxnSpPr>
-            <a:stCxn id="45" idx="1"/>
-            <a:endCxn id="8" idx="3"/>
+            <a:stCxn id="4" idx="1"/>
           </p:cNvCxnSpPr>
           <p:nvPr/>
         </p:nvCxnSpPr>
         <p:spPr>
           <a:xfrm rot="10800000" flipV="1">
-            <a:off x="4977970" y="1655876"/>
-            <a:ext cx="1217197" cy="988257"/>
+            <a:off x="4112351" y="2640941"/>
+            <a:ext cx="387367" cy="3"/>
           </a:xfrm>
           <a:prstGeom prst="bentConnector3">
             <a:avLst>
@@ -4836,7 +5173,7 @@
             <a:solidFill>
               <a:schemeClr val="tx1"/>
             </a:solidFill>
-            <a:tailEnd type="none"/>
+            <a:tailEnd type="arrow"/>
           </a:ln>
         </p:spPr>
         <p:style>
